--- a/클래스_다이어그램/Class Design.pptx
+++ b/클래스_다이어그램/Class Design.pptx
@@ -5,15 +5,19 @@
     <p:sldMasterId id="2147483655" r:id="rId1"/>
   </p:sldMasterIdLst>
   <p:notesMasterIdLst>
-    <p:notesMasterId r:id="rId5"/>
+    <p:notesMasterId r:id="rId9"/>
   </p:notesMasterIdLst>
   <p:handoutMasterIdLst>
-    <p:handoutMasterId r:id="rId6"/>
+    <p:handoutMasterId r:id="rId10"/>
   </p:handoutMasterIdLst>
   <p:sldIdLst>
     <p:sldId id="256" r:id="rId2"/>
     <p:sldId id="257" r:id="rId3"/>
     <p:sldId id="258" r:id="rId4"/>
+    <p:sldId id="259" r:id="rId5"/>
+    <p:sldId id="260" r:id="rId6"/>
+    <p:sldId id="261" r:id="rId7"/>
+    <p:sldId id="262" r:id="rId8"/>
   </p:sldIdLst>
   <p:sldSz cx="9144000" cy="6858000" type="screen4x3"/>
   <p:notesSz cx="6797675" cy="9928225"/>
@@ -142,6 +146,41 @@
       </a:defRPr>
     </a:lvl9pPr>
   </p:defaultTextStyle>
+  <p:extLst>
+    <p:ext uri="{EFAFB233-063F-42B5-8137-9DF3F51BA10A}">
+      <p15:sldGuideLst xmlns:p15="http://schemas.microsoft.com/office/powerpoint/2012/main">
+        <p15:guide id="1" orient="horz">
+          <p15:clr>
+            <a:srgbClr val="A4A3A4"/>
+          </p15:clr>
+        </p15:guide>
+        <p15:guide id="2" pos="2880">
+          <p15:clr>
+            <a:srgbClr val="A4A3A4"/>
+          </p15:clr>
+        </p15:guide>
+        <p15:guide id="3" pos="6">
+          <p15:clr>
+            <a:srgbClr val="A4A3A4"/>
+          </p15:clr>
+        </p15:guide>
+      </p15:sldGuideLst>
+    </p:ext>
+    <p:ext uri="{2D200454-40CA-4A62-9FC3-DE9A4176ACB9}">
+      <p15:notesGuideLst xmlns:p15="http://schemas.microsoft.com/office/powerpoint/2012/main">
+        <p15:guide id="1" orient="horz" pos="3126">
+          <p15:clr>
+            <a:srgbClr val="A4A3A4"/>
+          </p15:clr>
+        </p15:guide>
+        <p15:guide id="2" pos="2140">
+          <p15:clr>
+            <a:srgbClr val="A4A3A4"/>
+          </p15:clr>
+        </p15:guide>
+      </p15:notesGuideLst>
+    </p:ext>
+  </p:extLst>
 </p:presentation>
 </file>
 
@@ -554,35 +593,35 @@
           <a:p>
             <a:pPr lvl="0"/>
             <a:r>
-              <a:rPr lang="en-GB" altLang="ko-KR" smtClean="0"/>
+              <a:rPr lang="en-GB" altLang="ko-KR"/>
               <a:t>Click to edit Master text styles</a:t>
             </a:r>
           </a:p>
           <a:p>
             <a:pPr lvl="1"/>
             <a:r>
-              <a:rPr lang="en-GB" altLang="ko-KR" smtClean="0"/>
+              <a:rPr lang="en-GB" altLang="ko-KR"/>
               <a:t>Second level</a:t>
             </a:r>
           </a:p>
           <a:p>
             <a:pPr lvl="2"/>
             <a:r>
-              <a:rPr lang="en-GB" altLang="ko-KR" smtClean="0"/>
+              <a:rPr lang="en-GB" altLang="ko-KR"/>
               <a:t>Third level</a:t>
             </a:r>
           </a:p>
           <a:p>
             <a:pPr lvl="3"/>
             <a:r>
-              <a:rPr lang="en-GB" altLang="ko-KR" smtClean="0"/>
+              <a:rPr lang="en-GB" altLang="ko-KR"/>
               <a:t>Fourth level</a:t>
             </a:r>
           </a:p>
           <a:p>
             <a:pPr lvl="4"/>
             <a:r>
-              <a:rPr lang="en-GB" altLang="ko-KR" smtClean="0"/>
+              <a:rPr lang="en-GB" altLang="ko-KR"/>
               <a:t>Fifth level</a:t>
             </a:r>
           </a:p>
@@ -973,7 +1012,7 @@
           </a:bodyPr>
           <a:lstStyle/>
           <a:p>
-            <a:endParaRPr lang="en-US" altLang="ko-KR" sz="2400" b="1" dirty="0" smtClean="0">
+            <a:endParaRPr lang="en-US" altLang="ko-KR" sz="2400" b="1" dirty="0">
               <a:latin typeface="HY헤드라인M" pitchFamily="18" charset="-127"/>
               <a:ea typeface="HY헤드라인M" pitchFamily="18" charset="-127"/>
             </a:endParaRPr>
@@ -1027,18 +1066,13 @@
             </a:lvl1pPr>
           </a:lstStyle>
           <a:p>
-            <a:r>
-              <a:rPr lang="en-US" altLang="ko-KR" dirty="0" smtClean="0"/>
-              <a:t/>
-            </a:r>
             <a:br>
-              <a:rPr lang="en-US" altLang="ko-KR" dirty="0" smtClean="0"/>
+              <a:rPr lang="en-US" altLang="ko-KR" dirty="0"/>
             </a:br>
             <a:r>
-              <a:rPr lang="ko-KR" altLang="en-US" dirty="0" smtClean="0"/>
+              <a:rPr lang="ko-KR" altLang="en-US" dirty="0"/>
               <a:t>마스터 제목 스타일 편집</a:t>
             </a:r>
-            <a:endParaRPr lang="ko-KR" altLang="en-US" dirty="0"/>
           </a:p>
         </p:txBody>
       </p:sp>
@@ -1090,10 +1124,34 @@
             <a:tbl>
               <a:tblPr/>
               <a:tblGrid>
-                <a:gridCol w="1022523"/>
-                <a:gridCol w="3439486"/>
-                <a:gridCol w="947956"/>
-                <a:gridCol w="3523377"/>
+                <a:gridCol w="1022523">
+                  <a:extLst>
+                    <a:ext uri="{9D8B030D-6E8A-4147-A177-3AD203B41FA5}">
+                      <a16:colId xmlns:a16="http://schemas.microsoft.com/office/drawing/2014/main" val="20000"/>
+                    </a:ext>
+                  </a:extLst>
+                </a:gridCol>
+                <a:gridCol w="3439486">
+                  <a:extLst>
+                    <a:ext uri="{9D8B030D-6E8A-4147-A177-3AD203B41FA5}">
+                      <a16:colId xmlns:a16="http://schemas.microsoft.com/office/drawing/2014/main" val="20001"/>
+                    </a:ext>
+                  </a:extLst>
+                </a:gridCol>
+                <a:gridCol w="947956">
+                  <a:extLst>
+                    <a:ext uri="{9D8B030D-6E8A-4147-A177-3AD203B41FA5}">
+                      <a16:colId xmlns:a16="http://schemas.microsoft.com/office/drawing/2014/main" val="20002"/>
+                    </a:ext>
+                  </a:extLst>
+                </a:gridCol>
+                <a:gridCol w="3523377">
+                  <a:extLst>
+                    <a:ext uri="{9D8B030D-6E8A-4147-A177-3AD203B41FA5}">
+                      <a16:colId xmlns:a16="http://schemas.microsoft.com/office/drawing/2014/main" val="20003"/>
+                    </a:ext>
+                  </a:extLst>
+                </a:gridCol>
               </a:tblGrid>
               <a:tr h="299619">
                 <a:tc rowSpan="2">
@@ -1118,7 +1176,7 @@
                         <a:tabLst/>
                       </a:pPr>
                       <a:r>
-                        <a:rPr kumimoji="1" lang="ko-KR" altLang="en-US" sz="900" b="0" i="0" u="none" strike="noStrike" cap="none" normalizeH="0" baseline="0" dirty="0" smtClean="0">
+                        <a:rPr kumimoji="1" lang="ko-KR" altLang="en-US" sz="900" b="0" i="0" u="none" strike="noStrike" cap="none" normalizeH="0" baseline="0" dirty="0">
                           <a:ln>
                             <a:noFill/>
                           </a:ln>
@@ -1131,7 +1189,7 @@
                         </a:rPr>
                         <a:t>프로젝트 명</a:t>
                       </a:r>
-                      <a:endParaRPr kumimoji="1" lang="ko-KR" altLang="ko-KR" sz="900" b="0" i="0" u="none" strike="noStrike" cap="none" normalizeH="0" baseline="0" dirty="0" smtClean="0">
+                      <a:endParaRPr kumimoji="1" lang="ko-KR" altLang="ko-KR" sz="900" b="0" i="0" u="none" strike="noStrike" cap="none" normalizeH="0" baseline="0" dirty="0">
                         <a:ln>
                           <a:noFill/>
                         </a:ln>
@@ -1213,7 +1271,7 @@
                         <a:buNone/>
                         <a:tabLst/>
                       </a:pPr>
-                      <a:endParaRPr kumimoji="1" lang="ko-KR" altLang="ko-KR" sz="900" b="0" i="0" u="none" strike="noStrike" cap="none" normalizeH="0" baseline="0" dirty="0" smtClean="0">
+                      <a:endParaRPr kumimoji="1" lang="ko-KR" altLang="ko-KR" sz="900" b="0" i="0" u="none" strike="noStrike" cap="none" normalizeH="0" baseline="0" dirty="0">
                         <a:ln>
                           <a:noFill/>
                         </a:ln>
@@ -1294,7 +1352,7 @@
                         <a:tabLst/>
                       </a:pPr>
                       <a:r>
-                        <a:rPr kumimoji="1" lang="ko-KR" altLang="en-US" sz="900" b="0" i="0" u="none" strike="noStrike" cap="none" normalizeH="0" baseline="0" dirty="0" smtClean="0">
+                        <a:rPr kumimoji="1" lang="ko-KR" altLang="en-US" sz="900" b="0" i="0" u="none" strike="noStrike" cap="none" normalizeH="0" baseline="0" dirty="0">
                           <a:ln>
                             <a:noFill/>
                           </a:ln>
@@ -1307,7 +1365,7 @@
                         </a:rPr>
                         <a:t>문서 명</a:t>
                       </a:r>
-                      <a:endParaRPr kumimoji="1" lang="ko-KR" altLang="ko-KR" sz="900" b="0" i="0" u="none" strike="noStrike" cap="none" normalizeH="0" baseline="0" dirty="0" smtClean="0">
+                      <a:endParaRPr kumimoji="1" lang="ko-KR" altLang="ko-KR" sz="900" b="0" i="0" u="none" strike="noStrike" cap="none" normalizeH="0" baseline="0" dirty="0">
                         <a:ln>
                           <a:noFill/>
                         </a:ln>
@@ -1390,7 +1448,7 @@
                         <a:tabLst/>
                       </a:pPr>
                       <a:r>
-                        <a:rPr kumimoji="1" lang="en-US" altLang="ko-KR" sz="900" b="0" i="0" u="none" strike="noStrike" cap="none" normalizeH="0" baseline="0" dirty="0" smtClean="0">
+                        <a:rPr kumimoji="1" lang="en-US" altLang="ko-KR" sz="900" b="0" i="0" u="none" strike="noStrike" cap="none" normalizeH="0" baseline="0" dirty="0">
                           <a:ln>
                             <a:noFill/>
                           </a:ln>
@@ -1404,7 +1462,7 @@
                         <a:t>Class </a:t>
                       </a:r>
                       <a:r>
-                        <a:rPr kumimoji="1" lang="ko-KR" altLang="en-US" sz="900" b="0" i="0" u="none" strike="noStrike" cap="none" normalizeH="0" baseline="0" dirty="0" smtClean="0">
+                        <a:rPr kumimoji="1" lang="ko-KR" altLang="en-US" sz="900" b="0" i="0" u="none" strike="noStrike" cap="none" normalizeH="0" baseline="0" dirty="0">
                           <a:ln>
                             <a:noFill/>
                           </a:ln>
@@ -1417,7 +1475,7 @@
                         </a:rPr>
                         <a:t>설계서</a:t>
                       </a:r>
-                      <a:endParaRPr kumimoji="1" lang="ko-KR" sz="900" b="0" i="0" u="none" strike="noStrike" cap="none" normalizeH="0" baseline="0" dirty="0" smtClean="0">
+                      <a:endParaRPr kumimoji="1" lang="ko-KR" sz="900" b="0" i="0" u="none" strike="noStrike" cap="none" normalizeH="0" baseline="0" dirty="0">
                         <a:ln>
                           <a:noFill/>
                         </a:ln>
@@ -1476,6 +1534,11 @@
                     <a:noFill/>
                   </a:tcPr>
                 </a:tc>
+                <a:extLst>
+                  <a:ext uri="{0D108BD9-81ED-4DB2-BD59-A6C34878D82A}">
+                    <a16:rowId xmlns:a16="http://schemas.microsoft.com/office/drawing/2014/main" val="10000"/>
+                  </a:ext>
+                </a:extLst>
               </a:tr>
               <a:tr h="297106">
                 <a:tc vMerge="1">
@@ -1499,7 +1562,7 @@
                         <a:buNone/>
                         <a:tabLst/>
                       </a:pPr>
-                      <a:endParaRPr kumimoji="1" lang="ko-KR" sz="900" b="0" i="0" u="none" strike="noStrike" cap="none" normalizeH="0" baseline="0" dirty="0" smtClean="0">
+                      <a:endParaRPr kumimoji="1" lang="ko-KR" sz="900" b="0" i="0" u="none" strike="noStrike" cap="none" normalizeH="0" baseline="0" dirty="0">
                         <a:ln>
                           <a:noFill/>
                         </a:ln>
@@ -1581,7 +1644,7 @@
                         <a:buNone/>
                         <a:tabLst/>
                       </a:pPr>
-                      <a:endParaRPr kumimoji="1" lang="ko-KR" altLang="ko-KR" sz="900" b="0" i="0" u="none" strike="noStrike" cap="none" normalizeH="0" baseline="0" dirty="0" smtClean="0">
+                      <a:endParaRPr kumimoji="1" lang="ko-KR" altLang="ko-KR" sz="900" b="0" i="0" u="none" strike="noStrike" cap="none" normalizeH="0" baseline="0" dirty="0">
                         <a:ln>
                           <a:noFill/>
                         </a:ln>
@@ -1662,7 +1725,7 @@
                         <a:tabLst/>
                       </a:pPr>
                       <a:r>
-                        <a:rPr kumimoji="1" lang="ko-KR" altLang="en-US" sz="900" b="0" i="0" u="none" strike="noStrike" cap="none" normalizeH="0" baseline="0" dirty="0" smtClean="0">
+                        <a:rPr kumimoji="1" lang="ko-KR" altLang="en-US" sz="900" b="0" i="0" u="none" strike="noStrike" cap="none" normalizeH="0" baseline="0" dirty="0">
                           <a:ln>
                             <a:noFill/>
                           </a:ln>
@@ -1675,7 +1738,7 @@
                         </a:rPr>
                         <a:t>버전</a:t>
                       </a:r>
-                      <a:endParaRPr kumimoji="1" lang="ko-KR" altLang="ko-KR" sz="900" b="0" i="0" u="none" strike="noStrike" cap="none" normalizeH="0" baseline="0" dirty="0" smtClean="0">
+                      <a:endParaRPr kumimoji="1" lang="ko-KR" altLang="ko-KR" sz="900" b="0" i="0" u="none" strike="noStrike" cap="none" normalizeH="0" baseline="0" dirty="0">
                         <a:ln>
                           <a:noFill/>
                         </a:ln>
@@ -1758,7 +1821,7 @@
                         <a:tabLst/>
                       </a:pPr>
                       <a:r>
-                        <a:rPr kumimoji="1" lang="en-US" altLang="ko-KR" sz="900" b="0" i="0" u="none" strike="noStrike" cap="none" normalizeH="0" baseline="0" dirty="0" smtClean="0">
+                        <a:rPr kumimoji="1" lang="en-US" altLang="ko-KR" sz="900" b="0" i="0" u="none" strike="noStrike" cap="none" normalizeH="0" baseline="0" dirty="0">
                           <a:ln>
                             <a:noFill/>
                           </a:ln>
@@ -1771,7 +1834,7 @@
                         </a:rPr>
                         <a:t>V X.X</a:t>
                       </a:r>
-                      <a:endParaRPr kumimoji="1" lang="ko-KR" altLang="ko-KR" sz="900" b="0" i="0" u="none" strike="noStrike" cap="none" normalizeH="0" baseline="0" dirty="0" smtClean="0">
+                      <a:endParaRPr kumimoji="1" lang="ko-KR" altLang="ko-KR" sz="900" b="0" i="0" u="none" strike="noStrike" cap="none" normalizeH="0" baseline="0" dirty="0">
                         <a:ln>
                           <a:noFill/>
                         </a:ln>
@@ -1830,6 +1893,11 @@
                     <a:noFill/>
                   </a:tcPr>
                 </a:tc>
+                <a:extLst>
+                  <a:ext uri="{0D108BD9-81ED-4DB2-BD59-A6C34878D82A}">
+                    <a16:rowId xmlns:a16="http://schemas.microsoft.com/office/drawing/2014/main" val="10001"/>
+                  </a:ext>
+                </a:extLst>
               </a:tr>
             </a:tbl>
           </a:graphicData>
@@ -1882,7 +1950,7 @@
           <a:p>
             <a:pPr algn="r"/>
             <a:r>
-              <a:rPr lang="ko-KR" altLang="en-US" dirty="0" smtClean="0"/>
+              <a:rPr lang="ko-KR" altLang="en-US" dirty="0"/>
               <a:t>팀 명</a:t>
             </a:r>
             <a:endParaRPr lang="en-US" altLang="ko-KR" dirty="0"/>
@@ -1939,7 +2007,7 @@
               <a:buNone/>
               <a:tabLst/>
             </a:pPr>
-            <a:endParaRPr kumimoji="0" lang="ko-KR" altLang="en-US" sz="1400" b="0" i="0" u="none" strike="noStrike" cap="none" normalizeH="0" baseline="0" smtClean="0">
+            <a:endParaRPr kumimoji="0" lang="ko-KR" altLang="en-US" sz="1400" b="0" i="0" u="none" strike="noStrike" cap="none" normalizeH="0" baseline="0">
               <a:ln>
                 <a:noFill/>
               </a:ln>
@@ -2008,7 +2076,7 @@
           </a:lstStyle>
           <a:p>
             <a:r>
-              <a:rPr lang="ko-KR" altLang="en-US" smtClean="0"/>
+              <a:rPr lang="ko-KR" altLang="en-US"/>
               <a:t>마스터 제목 스타일 편집</a:t>
             </a:r>
             <a:endParaRPr lang="ko-KR" altLang="en-US" dirty="0"/>
@@ -2058,35 +2126,35 @@
           <a:p>
             <a:pPr lvl="0"/>
             <a:r>
-              <a:rPr lang="ko-KR" altLang="en-US" smtClean="0"/>
+              <a:rPr lang="ko-KR" altLang="en-US"/>
               <a:t>마스터 텍스트 스타일을 편집합니다</a:t>
             </a:r>
           </a:p>
           <a:p>
             <a:pPr lvl="1"/>
             <a:r>
-              <a:rPr lang="ko-KR" altLang="en-US" smtClean="0"/>
+              <a:rPr lang="ko-KR" altLang="en-US"/>
               <a:t>둘째 수준</a:t>
             </a:r>
           </a:p>
           <a:p>
             <a:pPr lvl="2"/>
             <a:r>
-              <a:rPr lang="ko-KR" altLang="en-US" smtClean="0"/>
+              <a:rPr lang="ko-KR" altLang="en-US"/>
               <a:t>셋째 수준</a:t>
             </a:r>
           </a:p>
           <a:p>
             <a:pPr lvl="3"/>
             <a:r>
-              <a:rPr lang="ko-KR" altLang="en-US" smtClean="0"/>
+              <a:rPr lang="ko-KR" altLang="en-US"/>
               <a:t>넷째 수준</a:t>
             </a:r>
           </a:p>
           <a:p>
             <a:pPr lvl="4"/>
             <a:r>
-              <a:rPr lang="ko-KR" altLang="en-US" smtClean="0"/>
+              <a:rPr lang="ko-KR" altLang="en-US"/>
               <a:t>다섯째 수준</a:t>
             </a:r>
             <a:endParaRPr lang="ko-KR" altLang="en-US" dirty="0"/>
@@ -2210,7 +2278,7 @@
           <a:p>
             <a:pPr algn="r"/>
             <a:r>
-              <a:rPr lang="ko-KR" altLang="en-US" dirty="0" smtClean="0"/>
+              <a:rPr lang="ko-KR" altLang="en-US" dirty="0"/>
               <a:t>팀 명</a:t>
             </a:r>
             <a:endParaRPr lang="en-US" altLang="ko-KR" dirty="0"/>
@@ -2415,7 +2483,7 @@
           <a:p>
             <a:pPr algn="r"/>
             <a:r>
-              <a:rPr lang="ko-KR" altLang="en-US" dirty="0" smtClean="0"/>
+              <a:rPr lang="ko-KR" altLang="en-US" dirty="0"/>
               <a:t>팀 명</a:t>
             </a:r>
             <a:endParaRPr lang="en-US" altLang="ko-KR" dirty="0"/>
@@ -2961,22 +3029,17 @@
           <a:bodyPr/>
           <a:lstStyle/>
           <a:p>
-            <a:r>
-              <a:rPr lang="en-US" altLang="ko-KR" dirty="0" smtClean="0"/>
-              <a:t/>
-            </a:r>
             <a:br>
-              <a:rPr lang="en-US" altLang="ko-KR" dirty="0" smtClean="0"/>
+              <a:rPr lang="en-US" altLang="ko-KR" dirty="0"/>
             </a:br>
             <a:r>
-              <a:rPr lang="en-US" altLang="ko-KR" dirty="0" smtClean="0"/>
+              <a:rPr lang="en-US" altLang="ko-KR" dirty="0"/>
               <a:t>Class </a:t>
             </a:r>
             <a:r>
-              <a:rPr lang="ko-KR" altLang="en-US" dirty="0" smtClean="0"/>
+              <a:rPr lang="ko-KR" altLang="en-US" dirty="0"/>
               <a:t>설계서</a:t>
             </a:r>
-            <a:endParaRPr lang="ko-KR" altLang="en-US" dirty="0"/>
           </a:p>
         </p:txBody>
       </p:sp>
@@ -2988,8 +3051,8 @@
         </p:nvSpPr>
         <p:spPr>
           <a:xfrm>
-            <a:off x="7751445" y="4372844"/>
-            <a:ext cx="768159" cy="400110"/>
+            <a:off x="6659763" y="4372844"/>
+            <a:ext cx="1920719" cy="400110"/>
           </a:xfrm>
           <a:prstGeom prst="rect">
             <a:avLst/>
@@ -3003,8 +3066,20 @@
           <a:lstStyle/>
           <a:p>
             <a:r>
-              <a:rPr lang="ko-KR" altLang="en-US" sz="2000" dirty="0" smtClean="0"/>
-              <a:t>팀 명</a:t>
+              <a:rPr lang="ko-KR" altLang="en-US" sz="2000" dirty="0"/>
+              <a:t>팀 명 </a:t>
+            </a:r>
+            <a:r>
+              <a:rPr lang="en-US" altLang="ko-KR" sz="2000" dirty="0"/>
+              <a:t>: </a:t>
+            </a:r>
+            <a:r>
+              <a:rPr lang="ko-KR" altLang="en-US" sz="2000" dirty="0" err="1"/>
+              <a:t>잭팟</a:t>
+            </a:r>
+            <a:r>
+              <a:rPr lang="en-US" altLang="ko-KR" sz="2000" dirty="0"/>
+              <a:t>777</a:t>
             </a:r>
             <a:endParaRPr lang="ko-KR" altLang="en-US" sz="2000" dirty="0"/>
           </a:p>
@@ -3051,10 +3126,9 @@
           <a:lstStyle/>
           <a:p>
             <a:r>
-              <a:rPr lang="ko-KR" altLang="en-US" dirty="0" smtClean="0"/>
+              <a:rPr lang="ko-KR" altLang="en-US" dirty="0"/>
               <a:t>변경 이력</a:t>
             </a:r>
-            <a:endParaRPr lang="ko-KR" altLang="en-US" dirty="0"/>
           </a:p>
         </p:txBody>
       </p:sp>
@@ -3075,7 +3149,7 @@
           <a:p>
             <a:pPr algn="r"/>
             <a:r>
-              <a:rPr lang="ko-KR" altLang="en-US" dirty="0" smtClean="0"/>
+              <a:rPr lang="ko-KR" altLang="en-US" dirty="0"/>
               <a:t>팀 명</a:t>
             </a:r>
             <a:endParaRPr lang="en-US" altLang="ko-KR" dirty="0"/>
@@ -3092,7 +3166,7 @@
             <p:ph idx="1"/>
             <p:extLst>
               <p:ext uri="{D42A27DB-BD31-4B8C-83A1-F6EECF244321}">
-                <p14:modId xmlns:p14="http://schemas.microsoft.com/office/powerpoint/2010/main" val="3721839066"/>
+                <p14:modId xmlns:p14="http://schemas.microsoft.com/office/powerpoint/2010/main" val="611755555"/>
               </p:ext>
             </p:extLst>
           </p:nvPr>
@@ -3108,10 +3182,34 @@
                 <a:tableStyleId>{5940675A-B579-460E-94D1-54222C63F5DA}</a:tableStyleId>
               </a:tblPr>
               <a:tblGrid>
-                <a:gridCol w="2145506"/>
-                <a:gridCol w="2145506"/>
-                <a:gridCol w="2145506"/>
-                <a:gridCol w="2145506"/>
+                <a:gridCol w="2145506">
+                  <a:extLst>
+                    <a:ext uri="{9D8B030D-6E8A-4147-A177-3AD203B41FA5}">
+                      <a16:colId xmlns:a16="http://schemas.microsoft.com/office/drawing/2014/main" val="20000"/>
+                    </a:ext>
+                  </a:extLst>
+                </a:gridCol>
+                <a:gridCol w="2145506">
+                  <a:extLst>
+                    <a:ext uri="{9D8B030D-6E8A-4147-A177-3AD203B41FA5}">
+                      <a16:colId xmlns:a16="http://schemas.microsoft.com/office/drawing/2014/main" val="20001"/>
+                    </a:ext>
+                  </a:extLst>
+                </a:gridCol>
+                <a:gridCol w="2145506">
+                  <a:extLst>
+                    <a:ext uri="{9D8B030D-6E8A-4147-A177-3AD203B41FA5}">
+                      <a16:colId xmlns:a16="http://schemas.microsoft.com/office/drawing/2014/main" val="20002"/>
+                    </a:ext>
+                  </a:extLst>
+                </a:gridCol>
+                <a:gridCol w="2145506">
+                  <a:extLst>
+                    <a:ext uri="{9D8B030D-6E8A-4147-A177-3AD203B41FA5}">
+                      <a16:colId xmlns:a16="http://schemas.microsoft.com/office/drawing/2014/main" val="20003"/>
+                    </a:ext>
+                  </a:extLst>
+                </a:gridCol>
               </a:tblGrid>
               <a:tr h="370840">
                 <a:tc>
@@ -3121,7 +3219,7 @@
                     <a:p>
                       <a:pPr algn="ctr" latinLnBrk="1"/>
                       <a:r>
-                        <a:rPr lang="ko-KR" altLang="en-US" sz="1200" b="1" dirty="0" smtClean="0">
+                        <a:rPr lang="ko-KR" altLang="en-US" sz="1200" b="1" dirty="0">
                           <a:latin typeface="맑은 고딕" pitchFamily="50" charset="-127"/>
                           <a:ea typeface="맑은 고딕" pitchFamily="50" charset="-127"/>
                         </a:rPr>
@@ -3151,7 +3249,7 @@
                     <a:p>
                       <a:pPr algn="ctr" latinLnBrk="1"/>
                       <a:r>
-                        <a:rPr lang="ko-KR" altLang="en-US" sz="1200" b="1" dirty="0" smtClean="0">
+                        <a:rPr lang="ko-KR" altLang="en-US" sz="1200" b="1" dirty="0">
                           <a:latin typeface="맑은 고딕" pitchFamily="50" charset="-127"/>
                           <a:ea typeface="맑은 고딕" pitchFamily="50" charset="-127"/>
                         </a:rPr>
@@ -3181,7 +3279,7 @@
                     <a:p>
                       <a:pPr algn="ctr" latinLnBrk="1"/>
                       <a:r>
-                        <a:rPr lang="ko-KR" altLang="en-US" sz="1200" b="1" dirty="0" smtClean="0">
+                        <a:rPr lang="ko-KR" altLang="en-US" sz="1200" b="1" dirty="0">
                           <a:latin typeface="맑은 고딕" pitchFamily="50" charset="-127"/>
                           <a:ea typeface="맑은 고딕" pitchFamily="50" charset="-127"/>
                         </a:rPr>
@@ -3211,7 +3309,7 @@
                     <a:p>
                       <a:pPr algn="ctr" latinLnBrk="1"/>
                       <a:r>
-                        <a:rPr lang="ko-KR" altLang="en-US" sz="1200" b="1" dirty="0" smtClean="0">
+                        <a:rPr lang="ko-KR" altLang="en-US" sz="1200" b="1" dirty="0">
                           <a:latin typeface="맑은 고딕" pitchFamily="50" charset="-127"/>
                           <a:ea typeface="맑은 고딕" pitchFamily="50" charset="-127"/>
                         </a:rPr>
@@ -3234,6 +3332,11 @@
                     </a:solidFill>
                   </a:tcPr>
                 </a:tc>
+                <a:extLst>
+                  <a:ext uri="{0D108BD9-81ED-4DB2-BD59-A6C34878D82A}">
+                    <a16:rowId xmlns:a16="http://schemas.microsoft.com/office/drawing/2014/main" val="10000"/>
+                  </a:ext>
+                </a:extLst>
               </a:tr>
               <a:tr h="370840">
                 <a:tc>
@@ -3242,6 +3345,16 @@
                     <a:lstStyle/>
                     <a:p>
                       <a:pPr algn="ctr" latinLnBrk="1"/>
+                      <a:r>
+                        <a:rPr lang="en-US" altLang="ko-KR" sz="1200" b="0" dirty="0">
+                          <a:solidFill>
+                            <a:schemeClr val="tx1"/>
+                          </a:solidFill>
+                          <a:latin typeface="맑은 고딕" pitchFamily="50" charset="-127"/>
+                          <a:ea typeface="맑은 고딕" pitchFamily="50" charset="-127"/>
+                        </a:rPr>
+                        <a:t>2022.05.27</a:t>
+                      </a:r>
                       <a:endParaRPr lang="ko-KR" altLang="en-US" sz="1200" b="0" dirty="0">
                         <a:solidFill>
                           <a:schemeClr val="tx1"/>
@@ -3249,6 +3362,61 @@
                         <a:latin typeface="맑은 고딕" pitchFamily="50" charset="-127"/>
                         <a:ea typeface="맑은 고딕" pitchFamily="50" charset="-127"/>
                       </a:endParaRPr>
+                    </a:p>
+                  </a:txBody>
+                  <a:tcPr anchor="ctr">
+                    <a:solidFill>
+                      <a:schemeClr val="bg1"/>
+                    </a:solidFill>
+                  </a:tcPr>
+                </a:tc>
+                <a:tc>
+                  <a:txBody>
+                    <a:bodyPr/>
+                    <a:lstStyle/>
+                    <a:p>
+                      <a:pPr algn="ctr" latinLnBrk="1"/>
+                      <a:r>
+                        <a:rPr lang="en-US" altLang="ko-KR" sz="1200" b="0" dirty="0">
+                          <a:solidFill>
+                            <a:schemeClr val="tx1"/>
+                          </a:solidFill>
+                          <a:latin typeface="맑은 고딕" pitchFamily="50" charset="-127"/>
+                          <a:ea typeface="맑은 고딕" pitchFamily="50" charset="-127"/>
+                        </a:rPr>
+                        <a:t>1.0.1</a:t>
+                      </a:r>
+                      <a:endParaRPr lang="ko-KR" altLang="en-US" sz="1200" b="0" dirty="0">
+                        <a:solidFill>
+                          <a:schemeClr val="tx1"/>
+                        </a:solidFill>
+                        <a:latin typeface="맑은 고딕" pitchFamily="50" charset="-127"/>
+                        <a:ea typeface="맑은 고딕" pitchFamily="50" charset="-127"/>
+                      </a:endParaRPr>
+                    </a:p>
+                  </a:txBody>
+                  <a:tcPr anchor="ctr">
+                    <a:solidFill>
+                      <a:schemeClr val="bg1"/>
+                    </a:solidFill>
+                  </a:tcPr>
+                </a:tc>
+                <a:tc>
+                  <a:txBody>
+                    <a:bodyPr/>
+                    <a:lstStyle/>
+                    <a:p>
+                      <a:pPr algn="ctr" latinLnBrk="1"/>
+                      <a:r>
+                        <a:rPr lang="ko-KR" altLang="en-US" sz="1200" b="0" dirty="0">
+                          <a:solidFill>
+                            <a:schemeClr val="tx1"/>
+                          </a:solidFill>
+                          <a:latin typeface="맑은 고딕" pitchFamily="50" charset="-127"/>
+                          <a:ea typeface="맑은 고딕" pitchFamily="50" charset="-127"/>
+                        </a:rPr>
+                        <a:t>최초 등록</a:t>
+                      </a:r>
                     </a:p>
                   </a:txBody>
                   <a:tcPr anchor="ctr">
@@ -3278,48 +3446,11 @@
                     </a:solidFill>
                   </a:tcPr>
                 </a:tc>
-                <a:tc>
-                  <a:txBody>
-                    <a:bodyPr/>
-                    <a:lstStyle/>
-                    <a:p>
-                      <a:pPr latinLnBrk="1"/>
-                      <a:endParaRPr lang="ko-KR" altLang="en-US" sz="1200" b="0" dirty="0">
-                        <a:solidFill>
-                          <a:schemeClr val="tx1"/>
-                        </a:solidFill>
-                        <a:latin typeface="맑은 고딕" pitchFamily="50" charset="-127"/>
-                        <a:ea typeface="맑은 고딕" pitchFamily="50" charset="-127"/>
-                      </a:endParaRPr>
-                    </a:p>
-                  </a:txBody>
-                  <a:tcPr anchor="ctr">
-                    <a:solidFill>
-                      <a:schemeClr val="bg1"/>
-                    </a:solidFill>
-                  </a:tcPr>
-                </a:tc>
-                <a:tc>
-                  <a:txBody>
-                    <a:bodyPr/>
-                    <a:lstStyle/>
-                    <a:p>
-                      <a:pPr algn="ctr" latinLnBrk="1"/>
-                      <a:endParaRPr lang="ko-KR" altLang="en-US" sz="1200" b="0" dirty="0">
-                        <a:solidFill>
-                          <a:schemeClr val="tx1"/>
-                        </a:solidFill>
-                        <a:latin typeface="맑은 고딕" pitchFamily="50" charset="-127"/>
-                        <a:ea typeface="맑은 고딕" pitchFamily="50" charset="-127"/>
-                      </a:endParaRPr>
-                    </a:p>
-                  </a:txBody>
-                  <a:tcPr anchor="ctr">
-                    <a:solidFill>
-                      <a:schemeClr val="bg1"/>
-                    </a:solidFill>
-                  </a:tcPr>
-                </a:tc>
+                <a:extLst>
+                  <a:ext uri="{0D108BD9-81ED-4DB2-BD59-A6C34878D82A}">
+                    <a16:rowId xmlns:a16="http://schemas.microsoft.com/office/drawing/2014/main" val="10001"/>
+                  </a:ext>
+                </a:extLst>
               </a:tr>
               <a:tr h="370840">
                 <a:tc>
@@ -3406,6 +3537,11 @@
                     </a:solidFill>
                   </a:tcPr>
                 </a:tc>
+                <a:extLst>
+                  <a:ext uri="{0D108BD9-81ED-4DB2-BD59-A6C34878D82A}">
+                    <a16:rowId xmlns:a16="http://schemas.microsoft.com/office/drawing/2014/main" val="10002"/>
+                  </a:ext>
+                </a:extLst>
               </a:tr>
               <a:tr h="370840">
                 <a:tc>
@@ -3492,6 +3628,11 @@
                     </a:solidFill>
                   </a:tcPr>
                 </a:tc>
+                <a:extLst>
+                  <a:ext uri="{0D108BD9-81ED-4DB2-BD59-A6C34878D82A}">
+                    <a16:rowId xmlns:a16="http://schemas.microsoft.com/office/drawing/2014/main" val="10003"/>
+                  </a:ext>
+                </a:extLst>
               </a:tr>
               <a:tr h="370840">
                 <a:tc>
@@ -3578,6 +3719,11 @@
                     </a:solidFill>
                   </a:tcPr>
                 </a:tc>
+                <a:extLst>
+                  <a:ext uri="{0D108BD9-81ED-4DB2-BD59-A6C34878D82A}">
+                    <a16:rowId xmlns:a16="http://schemas.microsoft.com/office/drawing/2014/main" val="10004"/>
+                  </a:ext>
+                </a:extLst>
               </a:tr>
               <a:tr h="370840">
                 <a:tc>
@@ -3664,6 +3810,11 @@
                     </a:solidFill>
                   </a:tcPr>
                 </a:tc>
+                <a:extLst>
+                  <a:ext uri="{0D108BD9-81ED-4DB2-BD59-A6C34878D82A}">
+                    <a16:rowId xmlns:a16="http://schemas.microsoft.com/office/drawing/2014/main" val="10005"/>
+                  </a:ext>
+                </a:extLst>
               </a:tr>
               <a:tr h="370840">
                 <a:tc>
@@ -3750,6 +3901,11 @@
                     </a:solidFill>
                   </a:tcPr>
                 </a:tc>
+                <a:extLst>
+                  <a:ext uri="{0D108BD9-81ED-4DB2-BD59-A6C34878D82A}">
+                    <a16:rowId xmlns:a16="http://schemas.microsoft.com/office/drawing/2014/main" val="10006"/>
+                  </a:ext>
+                </a:extLst>
               </a:tr>
               <a:tr h="370840">
                 <a:tc>
@@ -3836,6 +3992,11 @@
                     </a:solidFill>
                   </a:tcPr>
                 </a:tc>
+                <a:extLst>
+                  <a:ext uri="{0D108BD9-81ED-4DB2-BD59-A6C34878D82A}">
+                    <a16:rowId xmlns:a16="http://schemas.microsoft.com/office/drawing/2014/main" val="10007"/>
+                  </a:ext>
+                </a:extLst>
               </a:tr>
             </a:tbl>
           </a:graphicData>
@@ -3883,7 +4044,7 @@
           <a:p>
             <a:pPr algn="r"/>
             <a:r>
-              <a:rPr lang="ko-KR" altLang="en-US" dirty="0" smtClean="0"/>
+              <a:rPr lang="ko-KR" altLang="en-US" dirty="0"/>
               <a:t>팀 명</a:t>
             </a:r>
             <a:endParaRPr lang="en-US" altLang="ko-KR" dirty="0"/>
@@ -3913,15 +4074,15 @@
           <a:lstStyle/>
           <a:p>
             <a:r>
-              <a:rPr lang="en-US" altLang="ko-KR" dirty="0" smtClean="0"/>
+              <a:rPr lang="en-US" altLang="ko-KR" dirty="0"/>
               <a:t>&lt;</a:t>
             </a:r>
             <a:r>
-              <a:rPr lang="ko-KR" altLang="en-US" dirty="0" smtClean="0"/>
+              <a:rPr lang="ko-KR" altLang="en-US" dirty="0"/>
               <a:t>예시</a:t>
             </a:r>
             <a:r>
-              <a:rPr lang="en-US" altLang="ko-KR" dirty="0" smtClean="0"/>
+              <a:rPr lang="en-US" altLang="ko-KR" dirty="0"/>
               <a:t>&gt;</a:t>
             </a:r>
             <a:endParaRPr lang="ko-KR" altLang="en-US" dirty="0"/>
@@ -3962,6 +4123,506 @@
         </p:spPr>
       </p:pic>
     </p:spTree>
+  </p:cSld>
+  <p:clrMapOvr>
+    <a:masterClrMapping/>
+  </p:clrMapOvr>
+</p:sld>
+</file>
+
+<file path=ppt/slides/slide4.xml><?xml version="1.0" encoding="utf-8"?>
+<p:sld xmlns:a="http://schemas.openxmlformats.org/drawingml/2006/main" xmlns:r="http://schemas.openxmlformats.org/officeDocument/2006/relationships" xmlns:p="http://schemas.openxmlformats.org/presentationml/2006/main">
+  <p:cSld>
+    <p:spTree>
+      <p:nvGrpSpPr>
+        <p:cNvPr id="1" name=""/>
+        <p:cNvGrpSpPr/>
+        <p:nvPr/>
+      </p:nvGrpSpPr>
+      <p:grpSpPr>
+        <a:xfrm>
+          <a:off x="0" y="0"/>
+          <a:ext cx="0" cy="0"/>
+          <a:chOff x="0" y="0"/>
+          <a:chExt cx="0" cy="0"/>
+        </a:xfrm>
+      </p:grpSpPr>
+      <p:sp>
+        <p:nvSpPr>
+          <p:cNvPr id="2" name="바닥글 개체 틀 1"/>
+          <p:cNvSpPr>
+            <a:spLocks noGrp="1"/>
+          </p:cNvSpPr>
+          <p:nvPr>
+            <p:ph type="ftr" sz="quarter" idx="3"/>
+          </p:nvPr>
+        </p:nvSpPr>
+        <p:spPr/>
+        <p:txBody>
+          <a:bodyPr/>
+          <a:lstStyle/>
+          <a:p>
+            <a:pPr algn="r"/>
+            <a:r>
+              <a:rPr lang="ko-KR" altLang="en-US" dirty="0"/>
+              <a:t>팀 명</a:t>
+            </a:r>
+            <a:endParaRPr lang="en-US" altLang="ko-KR" dirty="0"/>
+          </a:p>
+        </p:txBody>
+      </p:sp>
+      <p:sp>
+        <p:nvSpPr>
+          <p:cNvPr id="24" name="TextBox 23"/>
+          <p:cNvSpPr txBox="1"/>
+          <p:nvPr/>
+        </p:nvSpPr>
+        <p:spPr>
+          <a:xfrm>
+            <a:off x="914400" y="931659"/>
+            <a:ext cx="752129" cy="307777"/>
+          </a:xfrm>
+          <a:prstGeom prst="rect">
+            <a:avLst/>
+          </a:prstGeom>
+          <a:noFill/>
+        </p:spPr>
+        <p:txBody>
+          <a:bodyPr wrap="none" rtlCol="0">
+            <a:spAutoFit/>
+          </a:bodyPr>
+          <a:lstStyle/>
+          <a:p>
+            <a:r>
+              <a:rPr lang="en-US" altLang="ko-KR" dirty="0"/>
+              <a:t>&lt;</a:t>
+            </a:r>
+            <a:r>
+              <a:rPr lang="ko-KR" altLang="en-US" dirty="0"/>
+              <a:t>예시</a:t>
+            </a:r>
+            <a:r>
+              <a:rPr lang="en-US" altLang="ko-KR" dirty="0"/>
+              <a:t>&gt;</a:t>
+            </a:r>
+            <a:endParaRPr lang="ko-KR" altLang="en-US" dirty="0"/>
+          </a:p>
+        </p:txBody>
+      </p:sp>
+      <p:pic>
+        <p:nvPicPr>
+          <p:cNvPr id="25" name="Picture 3"/>
+          <p:cNvPicPr>
+            <a:picLocks noChangeAspect="1" noChangeArrowheads="1"/>
+          </p:cNvPicPr>
+          <p:nvPr/>
+        </p:nvPicPr>
+        <p:blipFill>
+          <a:blip r:embed="rId2" cstate="print"/>
+          <a:srcRect/>
+          <a:stretch>
+            <a:fillRect/>
+          </a:stretch>
+        </p:blipFill>
+        <p:spPr bwMode="auto">
+          <a:xfrm>
+            <a:off x="1146106" y="1806652"/>
+            <a:ext cx="7058326" cy="1290231"/>
+          </a:xfrm>
+          <a:prstGeom prst="rect">
+            <a:avLst/>
+          </a:prstGeom>
+          <a:noFill/>
+          <a:ln w="9525">
+            <a:noFill/>
+            <a:miter lim="800000"/>
+            <a:headEnd/>
+            <a:tailEnd/>
+          </a:ln>
+          <a:effectLst/>
+        </p:spPr>
+      </p:pic>
+    </p:spTree>
+    <p:extLst>
+      <p:ext uri="{BB962C8B-B14F-4D97-AF65-F5344CB8AC3E}">
+        <p14:creationId xmlns:p14="http://schemas.microsoft.com/office/powerpoint/2010/main" val="832888302"/>
+      </p:ext>
+    </p:extLst>
+  </p:cSld>
+  <p:clrMapOvr>
+    <a:masterClrMapping/>
+  </p:clrMapOvr>
+</p:sld>
+</file>
+
+<file path=ppt/slides/slide5.xml><?xml version="1.0" encoding="utf-8"?>
+<p:sld xmlns:a="http://schemas.openxmlformats.org/drawingml/2006/main" xmlns:r="http://schemas.openxmlformats.org/officeDocument/2006/relationships" xmlns:p="http://schemas.openxmlformats.org/presentationml/2006/main">
+  <p:cSld>
+    <p:spTree>
+      <p:nvGrpSpPr>
+        <p:cNvPr id="1" name=""/>
+        <p:cNvGrpSpPr/>
+        <p:nvPr/>
+      </p:nvGrpSpPr>
+      <p:grpSpPr>
+        <a:xfrm>
+          <a:off x="0" y="0"/>
+          <a:ext cx="0" cy="0"/>
+          <a:chOff x="0" y="0"/>
+          <a:chExt cx="0" cy="0"/>
+        </a:xfrm>
+      </p:grpSpPr>
+      <p:sp>
+        <p:nvSpPr>
+          <p:cNvPr id="2" name="바닥글 개체 틀 1"/>
+          <p:cNvSpPr>
+            <a:spLocks noGrp="1"/>
+          </p:cNvSpPr>
+          <p:nvPr>
+            <p:ph type="ftr" sz="quarter" idx="3"/>
+          </p:nvPr>
+        </p:nvSpPr>
+        <p:spPr/>
+        <p:txBody>
+          <a:bodyPr/>
+          <a:lstStyle/>
+          <a:p>
+            <a:pPr algn="r"/>
+            <a:r>
+              <a:rPr lang="ko-KR" altLang="en-US" dirty="0"/>
+              <a:t>팀 명</a:t>
+            </a:r>
+            <a:endParaRPr lang="en-US" altLang="ko-KR" dirty="0"/>
+          </a:p>
+        </p:txBody>
+      </p:sp>
+      <p:sp>
+        <p:nvSpPr>
+          <p:cNvPr id="24" name="TextBox 23"/>
+          <p:cNvSpPr txBox="1"/>
+          <p:nvPr/>
+        </p:nvSpPr>
+        <p:spPr>
+          <a:xfrm>
+            <a:off x="914400" y="931659"/>
+            <a:ext cx="752129" cy="307777"/>
+          </a:xfrm>
+          <a:prstGeom prst="rect">
+            <a:avLst/>
+          </a:prstGeom>
+          <a:noFill/>
+        </p:spPr>
+        <p:txBody>
+          <a:bodyPr wrap="none" rtlCol="0">
+            <a:spAutoFit/>
+          </a:bodyPr>
+          <a:lstStyle/>
+          <a:p>
+            <a:r>
+              <a:rPr lang="en-US" altLang="ko-KR" dirty="0"/>
+              <a:t>&lt;</a:t>
+            </a:r>
+            <a:r>
+              <a:rPr lang="ko-KR" altLang="en-US" dirty="0"/>
+              <a:t>예시</a:t>
+            </a:r>
+            <a:r>
+              <a:rPr lang="en-US" altLang="ko-KR" dirty="0"/>
+              <a:t>&gt;</a:t>
+            </a:r>
+            <a:endParaRPr lang="ko-KR" altLang="en-US" dirty="0"/>
+          </a:p>
+        </p:txBody>
+      </p:sp>
+      <p:pic>
+        <p:nvPicPr>
+          <p:cNvPr id="25" name="Picture 3"/>
+          <p:cNvPicPr>
+            <a:picLocks noChangeAspect="1" noChangeArrowheads="1"/>
+          </p:cNvPicPr>
+          <p:nvPr/>
+        </p:nvPicPr>
+        <p:blipFill>
+          <a:blip r:embed="rId2" cstate="print"/>
+          <a:srcRect/>
+          <a:stretch>
+            <a:fillRect/>
+          </a:stretch>
+        </p:blipFill>
+        <p:spPr bwMode="auto">
+          <a:xfrm>
+            <a:off x="1146106" y="1806652"/>
+            <a:ext cx="7058326" cy="1290231"/>
+          </a:xfrm>
+          <a:prstGeom prst="rect">
+            <a:avLst/>
+          </a:prstGeom>
+          <a:noFill/>
+          <a:ln w="9525">
+            <a:noFill/>
+            <a:miter lim="800000"/>
+            <a:headEnd/>
+            <a:tailEnd/>
+          </a:ln>
+          <a:effectLst/>
+        </p:spPr>
+      </p:pic>
+    </p:spTree>
+    <p:extLst>
+      <p:ext uri="{BB962C8B-B14F-4D97-AF65-F5344CB8AC3E}">
+        <p14:creationId xmlns:p14="http://schemas.microsoft.com/office/powerpoint/2010/main" val="2620323901"/>
+      </p:ext>
+    </p:extLst>
+  </p:cSld>
+  <p:clrMapOvr>
+    <a:masterClrMapping/>
+  </p:clrMapOvr>
+</p:sld>
+</file>
+
+<file path=ppt/slides/slide6.xml><?xml version="1.0" encoding="utf-8"?>
+<p:sld xmlns:a="http://schemas.openxmlformats.org/drawingml/2006/main" xmlns:r="http://schemas.openxmlformats.org/officeDocument/2006/relationships" xmlns:p="http://schemas.openxmlformats.org/presentationml/2006/main">
+  <p:cSld>
+    <p:spTree>
+      <p:nvGrpSpPr>
+        <p:cNvPr id="1" name=""/>
+        <p:cNvGrpSpPr/>
+        <p:nvPr/>
+      </p:nvGrpSpPr>
+      <p:grpSpPr>
+        <a:xfrm>
+          <a:off x="0" y="0"/>
+          <a:ext cx="0" cy="0"/>
+          <a:chOff x="0" y="0"/>
+          <a:chExt cx="0" cy="0"/>
+        </a:xfrm>
+      </p:grpSpPr>
+      <p:sp>
+        <p:nvSpPr>
+          <p:cNvPr id="2" name="바닥글 개체 틀 1"/>
+          <p:cNvSpPr>
+            <a:spLocks noGrp="1"/>
+          </p:cNvSpPr>
+          <p:nvPr>
+            <p:ph type="ftr" sz="quarter" idx="3"/>
+          </p:nvPr>
+        </p:nvSpPr>
+        <p:spPr/>
+        <p:txBody>
+          <a:bodyPr/>
+          <a:lstStyle/>
+          <a:p>
+            <a:pPr algn="r"/>
+            <a:r>
+              <a:rPr lang="ko-KR" altLang="en-US" dirty="0"/>
+              <a:t>팀 명</a:t>
+            </a:r>
+            <a:endParaRPr lang="en-US" altLang="ko-KR" dirty="0"/>
+          </a:p>
+        </p:txBody>
+      </p:sp>
+      <p:sp>
+        <p:nvSpPr>
+          <p:cNvPr id="24" name="TextBox 23"/>
+          <p:cNvSpPr txBox="1"/>
+          <p:nvPr/>
+        </p:nvSpPr>
+        <p:spPr>
+          <a:xfrm>
+            <a:off x="914400" y="931659"/>
+            <a:ext cx="752129" cy="307777"/>
+          </a:xfrm>
+          <a:prstGeom prst="rect">
+            <a:avLst/>
+          </a:prstGeom>
+          <a:noFill/>
+        </p:spPr>
+        <p:txBody>
+          <a:bodyPr wrap="none" rtlCol="0">
+            <a:spAutoFit/>
+          </a:bodyPr>
+          <a:lstStyle/>
+          <a:p>
+            <a:r>
+              <a:rPr lang="en-US" altLang="ko-KR" dirty="0"/>
+              <a:t>&lt;</a:t>
+            </a:r>
+            <a:r>
+              <a:rPr lang="ko-KR" altLang="en-US" dirty="0"/>
+              <a:t>예시</a:t>
+            </a:r>
+            <a:r>
+              <a:rPr lang="en-US" altLang="ko-KR" dirty="0"/>
+              <a:t>&gt;</a:t>
+            </a:r>
+            <a:endParaRPr lang="ko-KR" altLang="en-US" dirty="0"/>
+          </a:p>
+        </p:txBody>
+      </p:sp>
+      <p:pic>
+        <p:nvPicPr>
+          <p:cNvPr id="25" name="Picture 3"/>
+          <p:cNvPicPr>
+            <a:picLocks noChangeAspect="1" noChangeArrowheads="1"/>
+          </p:cNvPicPr>
+          <p:nvPr/>
+        </p:nvPicPr>
+        <p:blipFill>
+          <a:blip r:embed="rId2" cstate="print"/>
+          <a:srcRect/>
+          <a:stretch>
+            <a:fillRect/>
+          </a:stretch>
+        </p:blipFill>
+        <p:spPr bwMode="auto">
+          <a:xfrm>
+            <a:off x="1146106" y="1806652"/>
+            <a:ext cx="7058326" cy="1290231"/>
+          </a:xfrm>
+          <a:prstGeom prst="rect">
+            <a:avLst/>
+          </a:prstGeom>
+          <a:noFill/>
+          <a:ln w="9525">
+            <a:noFill/>
+            <a:miter lim="800000"/>
+            <a:headEnd/>
+            <a:tailEnd/>
+          </a:ln>
+          <a:effectLst/>
+        </p:spPr>
+      </p:pic>
+    </p:spTree>
+    <p:extLst>
+      <p:ext uri="{BB962C8B-B14F-4D97-AF65-F5344CB8AC3E}">
+        <p14:creationId xmlns:p14="http://schemas.microsoft.com/office/powerpoint/2010/main" val="3626315909"/>
+      </p:ext>
+    </p:extLst>
+  </p:cSld>
+  <p:clrMapOvr>
+    <a:masterClrMapping/>
+  </p:clrMapOvr>
+</p:sld>
+</file>
+
+<file path=ppt/slides/slide7.xml><?xml version="1.0" encoding="utf-8"?>
+<p:sld xmlns:a="http://schemas.openxmlformats.org/drawingml/2006/main" xmlns:r="http://schemas.openxmlformats.org/officeDocument/2006/relationships" xmlns:p="http://schemas.openxmlformats.org/presentationml/2006/main">
+  <p:cSld>
+    <p:spTree>
+      <p:nvGrpSpPr>
+        <p:cNvPr id="1" name=""/>
+        <p:cNvGrpSpPr/>
+        <p:nvPr/>
+      </p:nvGrpSpPr>
+      <p:grpSpPr>
+        <a:xfrm>
+          <a:off x="0" y="0"/>
+          <a:ext cx="0" cy="0"/>
+          <a:chOff x="0" y="0"/>
+          <a:chExt cx="0" cy="0"/>
+        </a:xfrm>
+      </p:grpSpPr>
+      <p:sp>
+        <p:nvSpPr>
+          <p:cNvPr id="2" name="바닥글 개체 틀 1"/>
+          <p:cNvSpPr>
+            <a:spLocks noGrp="1"/>
+          </p:cNvSpPr>
+          <p:nvPr>
+            <p:ph type="ftr" sz="quarter" idx="3"/>
+          </p:nvPr>
+        </p:nvSpPr>
+        <p:spPr/>
+        <p:txBody>
+          <a:bodyPr/>
+          <a:lstStyle/>
+          <a:p>
+            <a:pPr algn="r"/>
+            <a:r>
+              <a:rPr lang="ko-KR" altLang="en-US" dirty="0"/>
+              <a:t>팀 명</a:t>
+            </a:r>
+            <a:endParaRPr lang="en-US" altLang="ko-KR" dirty="0"/>
+          </a:p>
+        </p:txBody>
+      </p:sp>
+      <p:sp>
+        <p:nvSpPr>
+          <p:cNvPr id="24" name="TextBox 23"/>
+          <p:cNvSpPr txBox="1"/>
+          <p:nvPr/>
+        </p:nvSpPr>
+        <p:spPr>
+          <a:xfrm>
+            <a:off x="914400" y="931659"/>
+            <a:ext cx="752129" cy="307777"/>
+          </a:xfrm>
+          <a:prstGeom prst="rect">
+            <a:avLst/>
+          </a:prstGeom>
+          <a:noFill/>
+        </p:spPr>
+        <p:txBody>
+          <a:bodyPr wrap="none" rtlCol="0">
+            <a:spAutoFit/>
+          </a:bodyPr>
+          <a:lstStyle/>
+          <a:p>
+            <a:r>
+              <a:rPr lang="en-US" altLang="ko-KR" dirty="0"/>
+              <a:t>&lt;</a:t>
+            </a:r>
+            <a:r>
+              <a:rPr lang="ko-KR" altLang="en-US" dirty="0"/>
+              <a:t>예시</a:t>
+            </a:r>
+            <a:r>
+              <a:rPr lang="en-US" altLang="ko-KR" dirty="0"/>
+              <a:t>&gt;</a:t>
+            </a:r>
+            <a:endParaRPr lang="ko-KR" altLang="en-US" dirty="0"/>
+          </a:p>
+        </p:txBody>
+      </p:sp>
+      <p:pic>
+        <p:nvPicPr>
+          <p:cNvPr id="25" name="Picture 3"/>
+          <p:cNvPicPr>
+            <a:picLocks noChangeAspect="1" noChangeArrowheads="1"/>
+          </p:cNvPicPr>
+          <p:nvPr/>
+        </p:nvPicPr>
+        <p:blipFill>
+          <a:blip r:embed="rId2" cstate="print"/>
+          <a:srcRect/>
+          <a:stretch>
+            <a:fillRect/>
+          </a:stretch>
+        </p:blipFill>
+        <p:spPr bwMode="auto">
+          <a:xfrm>
+            <a:off x="1146106" y="1806652"/>
+            <a:ext cx="7058326" cy="1290231"/>
+          </a:xfrm>
+          <a:prstGeom prst="rect">
+            <a:avLst/>
+          </a:prstGeom>
+          <a:noFill/>
+          <a:ln w="9525">
+            <a:noFill/>
+            <a:miter lim="800000"/>
+            <a:headEnd/>
+            <a:tailEnd/>
+          </a:ln>
+          <a:effectLst/>
+        </p:spPr>
+      </p:pic>
+    </p:spTree>
+    <p:extLst>
+      <p:ext uri="{BB962C8B-B14F-4D97-AF65-F5344CB8AC3E}">
+        <p14:creationId xmlns:p14="http://schemas.microsoft.com/office/powerpoint/2010/main" val="21398191"/>
+      </p:ext>
+    </p:extLst>
   </p:cSld>
   <p:clrMapOvr>
     <a:masterClrMapping/>
